--- a/Ionic Framework.pptx
+++ b/Ionic Framework.pptx
@@ -159,7 +159,7 @@
   </p:defaultTextStyle>
   <p:extLst>
     <p:ext uri="{521415D9-36F7-43E2-AB2F-B90AF26B5E84}">
-      <p14:sectionLst xmlns="" xmlns:p14="http://schemas.microsoft.com/office/powerpoint/2010/main">
+      <p14:sectionLst xmlns:p14="http://schemas.microsoft.com/office/powerpoint/2010/main" xmlns="">
         <p14:section name="TechEd 2013 Template layouts" id="{6DD5C800-9A2C-4823-B056-4AFFC9A97500}">
           <p14:sldIdLst>
             <p14:sldId id="1181"/>
@@ -251,7 +251,7 @@
       </p14:sectionLst>
     </p:ext>
     <p:ext uri="{EFAFB233-063F-42B5-8137-9DF3F51BA10A}">
-      <p15:sldGuideLst xmlns="" xmlns:p15="http://schemas.microsoft.com/office/powerpoint/2012/main">
+      <p15:sldGuideLst xmlns:p15="http://schemas.microsoft.com/office/powerpoint/2012/main" xmlns="">
         <p15:guide id="1" orient="horz" pos="2203">
           <p15:clr>
             <a:srgbClr val="A4A3A4"/>
@@ -320,7 +320,7 @@
       </p15:sldGuideLst>
     </p:ext>
     <p:ext uri="{2D200454-40CA-4A62-9FC3-DE9A4176ACB9}">
-      <p15:notesGuideLst xmlns="" xmlns:p15="http://schemas.microsoft.com/office/powerpoint/2012/main">
+      <p15:notesGuideLst xmlns:p15="http://schemas.microsoft.com/office/powerpoint/2012/main" xmlns="">
         <p15:guide id="1" orient="horz" pos="2880">
           <p15:clr>
             <a:srgbClr val="A4A3A4"/>
@@ -354,10 +354,10 @@
           <c:layoutTarget val="inner"/>
           <c:xMode val="edge"/>
           <c:yMode val="edge"/>
-          <c:x val="8.9934866403343972E-2"/>
+          <c:x val="8.9934866403344013E-2"/>
           <c:y val="5.4481545753858399E-2"/>
-          <c:w val="0.67849086751721921"/>
-          <c:h val="0.83189062258598345"/>
+          <c:w val="0.67849086751721932"/>
+          <c:h val="0.83189062258598367"/>
         </c:manualLayout>
       </c:layout>
       <c:barChart>
@@ -623,11 +623,11 @@
             </c:numRef>
           </c:val>
         </c:ser>
-        <c:axId val="139717632"/>
-        <c:axId val="140321536"/>
+        <c:axId val="76147328"/>
+        <c:axId val="76226944"/>
       </c:barChart>
       <c:catAx>
-        <c:axId val="139717632"/>
+        <c:axId val="76147328"/>
         <c:scaling>
           <c:orientation val="minMax"/>
         </c:scaling>
@@ -668,14 +668,14 @@
             <a:endParaRPr lang="en-US"/>
           </a:p>
         </c:txPr>
-        <c:crossAx val="140321536"/>
+        <c:crossAx val="76226944"/>
         <c:crosses val="autoZero"/>
         <c:auto val="1"/>
         <c:lblAlgn val="ctr"/>
         <c:lblOffset val="100"/>
       </c:catAx>
       <c:valAx>
-        <c:axId val="140321536"/>
+        <c:axId val="76226944"/>
         <c:scaling>
           <c:orientation val="minMax"/>
         </c:scaling>
@@ -684,7 +684,7 @@
         <c:numFmt formatCode="0.00%" sourceLinked="0"/>
         <c:majorTickMark val="none"/>
         <c:tickLblPos val="none"/>
-        <c:crossAx val="139717632"/>
+        <c:crossAx val="76147328"/>
         <c:crosses val="autoZero"/>
         <c:crossBetween val="between"/>
         <c:majorUnit val="1"/>
@@ -703,8 +703,8 @@
         <c:manualLayout>
           <c:xMode val="edge"/>
           <c:yMode val="edge"/>
-          <c:x val="0.59989865654573871"/>
-          <c:y val="0.86997048845347436"/>
+          <c:x val="0.59989865654573893"/>
+          <c:y val="0.86997048845347469"/>
           <c:w val="0.39070573420973098"/>
           <c:h val="9.8382026791785204E-2"/>
         </c:manualLayout>
@@ -1434,7 +1434,7 @@
                 <a:latin typeface="Segoe UI" pitchFamily="34" charset="0"/>
               </a:rPr>
               <a:pPr/>
-              <a:t>8/26/2017 10:29 AM</a:t>
+              <a:t>9/2/2017 1:40 PM</a:t>
             </a:fld>
             <a:endParaRPr lang="en-US" dirty="0">
               <a:latin typeface="Segoe UI" pitchFamily="34" charset="0"/>
@@ -1551,7 +1551,7 @@
     </p:spTree>
     <p:extLst>
       <p:ext uri="{BB962C8B-B14F-4D97-AF65-F5344CB8AC3E}">
-        <p14:creationId xmlns="" xmlns:p14="http://schemas.microsoft.com/office/powerpoint/2010/main" val="3904595630"/>
+        <p14:creationId xmlns:p14="http://schemas.microsoft.com/office/powerpoint/2010/main" xmlns="" val="3904595630"/>
       </p:ext>
     </p:extLst>
   </p:cSld>
@@ -1745,7 +1745,7 @@
             <a:fld id="{2DFDA5C7-BBAE-481E-8BF7-731156A2E2C1}" type="datetime8">
               <a:rPr lang="en-US" smtClean="0"/>
               <a:pPr/>
-              <a:t>8/26/2017 10:29 AM</a:t>
+              <a:t>9/2/2017 1:40 PM</a:t>
             </a:fld>
             <a:endParaRPr lang="en-US" dirty="0"/>
           </a:p>
@@ -1852,7 +1852,7 @@
     </p:spTree>
     <p:extLst>
       <p:ext uri="{BB962C8B-B14F-4D97-AF65-F5344CB8AC3E}">
-        <p14:creationId xmlns="" xmlns:p14="http://schemas.microsoft.com/office/powerpoint/2010/main" val="2624648265"/>
+        <p14:creationId xmlns:p14="http://schemas.microsoft.com/office/powerpoint/2010/main" xmlns="" val="2624648265"/>
       </p:ext>
     </p:extLst>
   </p:cSld>
@@ -2100,7 +2100,7 @@
     </p:spTree>
     <p:extLst>
       <p:ext uri="{BB962C8B-B14F-4D97-AF65-F5344CB8AC3E}">
-        <p14:creationId xmlns="" xmlns:p14="http://schemas.microsoft.com/office/powerpoint/2010/main" val="3714414175"/>
+        <p14:creationId xmlns:p14="http://schemas.microsoft.com/office/powerpoint/2010/main" xmlns="" val="3714414175"/>
       </p:ext>
     </p:extLst>
   </p:cSld>
@@ -2161,7 +2161,7 @@
     </p:spTree>
     <p:extLst>
       <p:ext uri="{BB962C8B-B14F-4D97-AF65-F5344CB8AC3E}">
-        <p14:creationId xmlns="" xmlns:p14="http://schemas.microsoft.com/office/powerpoint/2010/main" val="2491766063"/>
+        <p14:creationId xmlns:p14="http://schemas.microsoft.com/office/powerpoint/2010/main" xmlns="" val="2491766063"/>
       </p:ext>
     </p:extLst>
   </p:cSld>
@@ -2222,7 +2222,7 @@
     </p:spTree>
     <p:extLst>
       <p:ext uri="{BB962C8B-B14F-4D97-AF65-F5344CB8AC3E}">
-        <p14:creationId xmlns="" xmlns:p14="http://schemas.microsoft.com/office/powerpoint/2010/main" val="4174478302"/>
+        <p14:creationId xmlns:p14="http://schemas.microsoft.com/office/powerpoint/2010/main" xmlns="" val="4174478302"/>
       </p:ext>
     </p:extLst>
   </p:cSld>
@@ -2283,7 +2283,7 @@
     </p:spTree>
     <p:extLst>
       <p:ext uri="{BB962C8B-B14F-4D97-AF65-F5344CB8AC3E}">
-        <p14:creationId xmlns="" xmlns:p14="http://schemas.microsoft.com/office/powerpoint/2010/main" val="3252117618"/>
+        <p14:creationId xmlns:p14="http://schemas.microsoft.com/office/powerpoint/2010/main" xmlns="" val="3252117618"/>
       </p:ext>
     </p:extLst>
   </p:cSld>
@@ -2344,7 +2344,7 @@
     </p:spTree>
     <p:extLst>
       <p:ext uri="{BB962C8B-B14F-4D97-AF65-F5344CB8AC3E}">
-        <p14:creationId xmlns="" xmlns:p14="http://schemas.microsoft.com/office/powerpoint/2010/main" val="2735933812"/>
+        <p14:creationId xmlns:p14="http://schemas.microsoft.com/office/powerpoint/2010/main" xmlns="" val="2735933812"/>
       </p:ext>
     </p:extLst>
   </p:cSld>
@@ -2405,7 +2405,7 @@
     </p:spTree>
     <p:extLst>
       <p:ext uri="{BB962C8B-B14F-4D97-AF65-F5344CB8AC3E}">
-        <p14:creationId xmlns="" xmlns:p14="http://schemas.microsoft.com/office/powerpoint/2010/main" val="4023271164"/>
+        <p14:creationId xmlns:p14="http://schemas.microsoft.com/office/powerpoint/2010/main" xmlns="" val="4023271164"/>
       </p:ext>
     </p:extLst>
   </p:cSld>
@@ -2466,7 +2466,7 @@
     </p:spTree>
     <p:extLst>
       <p:ext uri="{BB962C8B-B14F-4D97-AF65-F5344CB8AC3E}">
-        <p14:creationId xmlns="" xmlns:p14="http://schemas.microsoft.com/office/powerpoint/2010/main" val="1677546971"/>
+        <p14:creationId xmlns:p14="http://schemas.microsoft.com/office/powerpoint/2010/main" xmlns="" val="1677546971"/>
       </p:ext>
     </p:extLst>
   </p:cSld>
@@ -2545,7 +2545,7 @@
     </p:spTree>
     <p:extLst>
       <p:ext uri="{BB962C8B-B14F-4D97-AF65-F5344CB8AC3E}">
-        <p14:creationId xmlns="" xmlns:p14="http://schemas.microsoft.com/office/powerpoint/2010/main" val="3474265972"/>
+        <p14:creationId xmlns:p14="http://schemas.microsoft.com/office/powerpoint/2010/main" xmlns="" val="3474265972"/>
       </p:ext>
     </p:extLst>
   </p:cSld>
@@ -2606,7 +2606,7 @@
     </p:spTree>
     <p:extLst>
       <p:ext uri="{BB962C8B-B14F-4D97-AF65-F5344CB8AC3E}">
-        <p14:creationId xmlns="" xmlns:p14="http://schemas.microsoft.com/office/powerpoint/2010/main" val="2019216449"/>
+        <p14:creationId xmlns:p14="http://schemas.microsoft.com/office/powerpoint/2010/main" xmlns="" val="2019216449"/>
       </p:ext>
     </p:extLst>
   </p:cSld>
@@ -2667,7 +2667,7 @@
     </p:spTree>
     <p:extLst>
       <p:ext uri="{BB962C8B-B14F-4D97-AF65-F5344CB8AC3E}">
-        <p14:creationId xmlns="" xmlns:p14="http://schemas.microsoft.com/office/powerpoint/2010/main" val="2518736609"/>
+        <p14:creationId xmlns:p14="http://schemas.microsoft.com/office/powerpoint/2010/main" xmlns="" val="2518736609"/>
       </p:ext>
     </p:extLst>
   </p:cSld>
@@ -2728,7 +2728,7 @@
     </p:spTree>
     <p:extLst>
       <p:ext uri="{BB962C8B-B14F-4D97-AF65-F5344CB8AC3E}">
-        <p14:creationId xmlns="" xmlns:p14="http://schemas.microsoft.com/office/powerpoint/2010/main" val="1372183859"/>
+        <p14:creationId xmlns:p14="http://schemas.microsoft.com/office/powerpoint/2010/main" xmlns="" val="1372183859"/>
       </p:ext>
     </p:extLst>
   </p:cSld>
@@ -2789,7 +2789,7 @@
     </p:spTree>
     <p:extLst>
       <p:ext uri="{BB962C8B-B14F-4D97-AF65-F5344CB8AC3E}">
-        <p14:creationId xmlns="" xmlns:p14="http://schemas.microsoft.com/office/powerpoint/2010/main" val="3065690240"/>
+        <p14:creationId xmlns:p14="http://schemas.microsoft.com/office/powerpoint/2010/main" xmlns="" val="3065690240"/>
       </p:ext>
     </p:extLst>
   </p:cSld>
@@ -2850,7 +2850,7 @@
     </p:spTree>
     <p:extLst>
       <p:ext uri="{BB962C8B-B14F-4D97-AF65-F5344CB8AC3E}">
-        <p14:creationId xmlns="" xmlns:p14="http://schemas.microsoft.com/office/powerpoint/2010/main" val="477008861"/>
+        <p14:creationId xmlns:p14="http://schemas.microsoft.com/office/powerpoint/2010/main" xmlns="" val="477008861"/>
       </p:ext>
     </p:extLst>
   </p:cSld>
@@ -2911,7 +2911,7 @@
     </p:spTree>
     <p:extLst>
       <p:ext uri="{BB962C8B-B14F-4D97-AF65-F5344CB8AC3E}">
-        <p14:creationId xmlns="" xmlns:p14="http://schemas.microsoft.com/office/powerpoint/2010/main" val="2627251573"/>
+        <p14:creationId xmlns:p14="http://schemas.microsoft.com/office/powerpoint/2010/main" xmlns="" val="2627251573"/>
       </p:ext>
     </p:extLst>
   </p:cSld>
@@ -2972,7 +2972,7 @@
     </p:spTree>
     <p:extLst>
       <p:ext uri="{BB962C8B-B14F-4D97-AF65-F5344CB8AC3E}">
-        <p14:creationId xmlns="" xmlns:p14="http://schemas.microsoft.com/office/powerpoint/2010/main" val="3829472703"/>
+        <p14:creationId xmlns:p14="http://schemas.microsoft.com/office/powerpoint/2010/main" xmlns="" val="3829472703"/>
       </p:ext>
     </p:extLst>
   </p:cSld>
@@ -3033,7 +3033,7 @@
     </p:spTree>
     <p:extLst>
       <p:ext uri="{BB962C8B-B14F-4D97-AF65-F5344CB8AC3E}">
-        <p14:creationId xmlns="" xmlns:p14="http://schemas.microsoft.com/office/powerpoint/2010/main" val="1037199891"/>
+        <p14:creationId xmlns:p14="http://schemas.microsoft.com/office/powerpoint/2010/main" xmlns="" val="1037199891"/>
       </p:ext>
     </p:extLst>
   </p:cSld>
@@ -3094,7 +3094,7 @@
     </p:spTree>
     <p:extLst>
       <p:ext uri="{BB962C8B-B14F-4D97-AF65-F5344CB8AC3E}">
-        <p14:creationId xmlns="" xmlns:p14="http://schemas.microsoft.com/office/powerpoint/2010/main" val="644161393"/>
+        <p14:creationId xmlns:p14="http://schemas.microsoft.com/office/powerpoint/2010/main" xmlns="" val="644161393"/>
       </p:ext>
     </p:extLst>
   </p:cSld>
@@ -3155,7 +3155,7 @@
     </p:spTree>
     <p:extLst>
       <p:ext uri="{BB962C8B-B14F-4D97-AF65-F5344CB8AC3E}">
-        <p14:creationId xmlns="" xmlns:p14="http://schemas.microsoft.com/office/powerpoint/2010/main" val="2658953595"/>
+        <p14:creationId xmlns:p14="http://schemas.microsoft.com/office/powerpoint/2010/main" xmlns="" val="2658953595"/>
       </p:ext>
     </p:extLst>
   </p:cSld>
@@ -3216,7 +3216,7 @@
     </p:spTree>
     <p:extLst>
       <p:ext uri="{BB962C8B-B14F-4D97-AF65-F5344CB8AC3E}">
-        <p14:creationId xmlns="" xmlns:p14="http://schemas.microsoft.com/office/powerpoint/2010/main" val="2976494389"/>
+        <p14:creationId xmlns:p14="http://schemas.microsoft.com/office/powerpoint/2010/main" xmlns="" val="2976494389"/>
       </p:ext>
     </p:extLst>
   </p:cSld>
@@ -3277,7 +3277,7 @@
     </p:spTree>
     <p:extLst>
       <p:ext uri="{BB962C8B-B14F-4D97-AF65-F5344CB8AC3E}">
-        <p14:creationId xmlns="" xmlns:p14="http://schemas.microsoft.com/office/powerpoint/2010/main" val="1862916501"/>
+        <p14:creationId xmlns:p14="http://schemas.microsoft.com/office/powerpoint/2010/main" xmlns="" val="1862916501"/>
       </p:ext>
     </p:extLst>
   </p:cSld>
@@ -3338,7 +3338,7 @@
     </p:spTree>
     <p:extLst>
       <p:ext uri="{BB962C8B-B14F-4D97-AF65-F5344CB8AC3E}">
-        <p14:creationId xmlns="" xmlns:p14="http://schemas.microsoft.com/office/powerpoint/2010/main" val="364324931"/>
+        <p14:creationId xmlns:p14="http://schemas.microsoft.com/office/powerpoint/2010/main" xmlns="" val="364324931"/>
       </p:ext>
     </p:extLst>
   </p:cSld>
@@ -3399,7 +3399,7 @@
     </p:spTree>
     <p:extLst>
       <p:ext uri="{BB962C8B-B14F-4D97-AF65-F5344CB8AC3E}">
-        <p14:creationId xmlns="" xmlns:p14="http://schemas.microsoft.com/office/powerpoint/2010/main" val="3917250247"/>
+        <p14:creationId xmlns:p14="http://schemas.microsoft.com/office/powerpoint/2010/main" xmlns="" val="3917250247"/>
       </p:ext>
     </p:extLst>
   </p:cSld>
@@ -3460,7 +3460,7 @@
     </p:spTree>
     <p:extLst>
       <p:ext uri="{BB962C8B-B14F-4D97-AF65-F5344CB8AC3E}">
-        <p14:creationId xmlns="" xmlns:p14="http://schemas.microsoft.com/office/powerpoint/2010/main" val="3761210934"/>
+        <p14:creationId xmlns:p14="http://schemas.microsoft.com/office/powerpoint/2010/main" xmlns="" val="3761210934"/>
       </p:ext>
     </p:extLst>
   </p:cSld>
@@ -3521,7 +3521,7 @@
     </p:spTree>
     <p:extLst>
       <p:ext uri="{BB962C8B-B14F-4D97-AF65-F5344CB8AC3E}">
-        <p14:creationId xmlns="" xmlns:p14="http://schemas.microsoft.com/office/powerpoint/2010/main" val="1059820467"/>
+        <p14:creationId xmlns:p14="http://schemas.microsoft.com/office/powerpoint/2010/main" xmlns="" val="1059820467"/>
       </p:ext>
     </p:extLst>
   </p:cSld>
@@ -3582,7 +3582,7 @@
     </p:spTree>
     <p:extLst>
       <p:ext uri="{BB962C8B-B14F-4D97-AF65-F5344CB8AC3E}">
-        <p14:creationId xmlns="" xmlns:p14="http://schemas.microsoft.com/office/powerpoint/2010/main" val="826986836"/>
+        <p14:creationId xmlns:p14="http://schemas.microsoft.com/office/powerpoint/2010/main" xmlns="" val="826986836"/>
       </p:ext>
     </p:extLst>
   </p:cSld>
@@ -3643,7 +3643,7 @@
     </p:spTree>
     <p:extLst>
       <p:ext uri="{BB962C8B-B14F-4D97-AF65-F5344CB8AC3E}">
-        <p14:creationId xmlns="" xmlns:p14="http://schemas.microsoft.com/office/powerpoint/2010/main" val="2160738884"/>
+        <p14:creationId xmlns:p14="http://schemas.microsoft.com/office/powerpoint/2010/main" xmlns="" val="2160738884"/>
       </p:ext>
     </p:extLst>
   </p:cSld>
@@ -3704,7 +3704,7 @@
     </p:spTree>
     <p:extLst>
       <p:ext uri="{BB962C8B-B14F-4D97-AF65-F5344CB8AC3E}">
-        <p14:creationId xmlns="" xmlns:p14="http://schemas.microsoft.com/office/powerpoint/2010/main" val="753816956"/>
+        <p14:creationId xmlns:p14="http://schemas.microsoft.com/office/powerpoint/2010/main" xmlns="" val="753816956"/>
       </p:ext>
     </p:extLst>
   </p:cSld>
@@ -3765,7 +3765,7 @@
     </p:spTree>
     <p:extLst>
       <p:ext uri="{BB962C8B-B14F-4D97-AF65-F5344CB8AC3E}">
-        <p14:creationId xmlns="" xmlns:p14="http://schemas.microsoft.com/office/powerpoint/2010/main" val="3192686564"/>
+        <p14:creationId xmlns:p14="http://schemas.microsoft.com/office/powerpoint/2010/main" xmlns="" val="3192686564"/>
       </p:ext>
     </p:extLst>
   </p:cSld>
@@ -3826,7 +3826,7 @@
     </p:spTree>
     <p:extLst>
       <p:ext uri="{BB962C8B-B14F-4D97-AF65-F5344CB8AC3E}">
-        <p14:creationId xmlns="" xmlns:p14="http://schemas.microsoft.com/office/powerpoint/2010/main" val="2099065677"/>
+        <p14:creationId xmlns:p14="http://schemas.microsoft.com/office/powerpoint/2010/main" xmlns="" val="2099065677"/>
       </p:ext>
     </p:extLst>
   </p:cSld>
@@ -3887,7 +3887,7 @@
     </p:spTree>
     <p:extLst>
       <p:ext uri="{BB962C8B-B14F-4D97-AF65-F5344CB8AC3E}">
-        <p14:creationId xmlns="" xmlns:p14="http://schemas.microsoft.com/office/powerpoint/2010/main" val="649927946"/>
+        <p14:creationId xmlns:p14="http://schemas.microsoft.com/office/powerpoint/2010/main" xmlns="" val="649927946"/>
       </p:ext>
     </p:extLst>
   </p:cSld>
@@ -3948,7 +3948,7 @@
     </p:spTree>
     <p:extLst>
       <p:ext uri="{BB962C8B-B14F-4D97-AF65-F5344CB8AC3E}">
-        <p14:creationId xmlns="" xmlns:p14="http://schemas.microsoft.com/office/powerpoint/2010/main" val="2850149727"/>
+        <p14:creationId xmlns:p14="http://schemas.microsoft.com/office/powerpoint/2010/main" xmlns="" val="2850149727"/>
       </p:ext>
     </p:extLst>
   </p:cSld>
@@ -4009,7 +4009,7 @@
     </p:spTree>
     <p:extLst>
       <p:ext uri="{BB962C8B-B14F-4D97-AF65-F5344CB8AC3E}">
-        <p14:creationId xmlns="" xmlns:p14="http://schemas.microsoft.com/office/powerpoint/2010/main" val="2869158796"/>
+        <p14:creationId xmlns:p14="http://schemas.microsoft.com/office/powerpoint/2010/main" xmlns="" val="2869158796"/>
       </p:ext>
     </p:extLst>
   </p:cSld>
@@ -4070,7 +4070,7 @@
     </p:spTree>
     <p:extLst>
       <p:ext uri="{BB962C8B-B14F-4D97-AF65-F5344CB8AC3E}">
-        <p14:creationId xmlns="" xmlns:p14="http://schemas.microsoft.com/office/powerpoint/2010/main" val="1128910999"/>
+        <p14:creationId xmlns:p14="http://schemas.microsoft.com/office/powerpoint/2010/main" xmlns="" val="1128910999"/>
       </p:ext>
     </p:extLst>
   </p:cSld>
@@ -4131,7 +4131,7 @@
     </p:spTree>
     <p:extLst>
       <p:ext uri="{BB962C8B-B14F-4D97-AF65-F5344CB8AC3E}">
-        <p14:creationId xmlns="" xmlns:p14="http://schemas.microsoft.com/office/powerpoint/2010/main" val="2487437940"/>
+        <p14:creationId xmlns:p14="http://schemas.microsoft.com/office/powerpoint/2010/main" xmlns="" val="2487437940"/>
       </p:ext>
     </p:extLst>
   </p:cSld>
@@ -4192,7 +4192,7 @@
     </p:spTree>
     <p:extLst>
       <p:ext uri="{BB962C8B-B14F-4D97-AF65-F5344CB8AC3E}">
-        <p14:creationId xmlns="" xmlns:p14="http://schemas.microsoft.com/office/powerpoint/2010/main" val="3988556760"/>
+        <p14:creationId xmlns:p14="http://schemas.microsoft.com/office/powerpoint/2010/main" xmlns="" val="3988556760"/>
       </p:ext>
     </p:extLst>
   </p:cSld>
@@ -4239,7 +4239,7 @@
           <a:blip r:embed="rId2">
             <a:extLst>
               <a:ext uri="{28A0092B-C50C-407E-A947-70E740481C1C}">
-                <a14:useLocalDpi xmlns="" xmlns:a14="http://schemas.microsoft.com/office/drawing/2010/main" val="0"/>
+                <a14:useLocalDpi xmlns:a14="http://schemas.microsoft.com/office/drawing/2010/main" xmlns="" val="0"/>
               </a:ext>
             </a:extLst>
           </a:blip>
@@ -4359,7 +4359,7 @@
             <a:blip r:embed="rId3">
               <a:extLst>
                 <a:ext uri="{28A0092B-C50C-407E-A947-70E740481C1C}">
-                  <a14:useLocalDpi xmlns="" xmlns:a14="http://schemas.microsoft.com/office/drawing/2010/main" val="0"/>
+                  <a14:useLocalDpi xmlns:a14="http://schemas.microsoft.com/office/drawing/2010/main" xmlns="" val="0"/>
                 </a:ext>
               </a:extLst>
             </a:blip>
@@ -4390,7 +4390,7 @@
           <a:blip r:embed="rId4">
             <a:extLst>
               <a:ext uri="{28A0092B-C50C-407E-A947-70E740481C1C}">
-                <a14:useLocalDpi xmlns="" xmlns:a14="http://schemas.microsoft.com/office/drawing/2010/main" val="0"/>
+                <a14:useLocalDpi xmlns:a14="http://schemas.microsoft.com/office/drawing/2010/main" xmlns="" val="0"/>
               </a:ext>
             </a:extLst>
           </a:blip>
@@ -4411,7 +4411,7 @@
     </p:spTree>
     <p:extLst>
       <p:ext uri="{BB962C8B-B14F-4D97-AF65-F5344CB8AC3E}">
-        <p14:creationId xmlns="" xmlns:p14="http://schemas.microsoft.com/office/powerpoint/2010/main" val="2960915228"/>
+        <p14:creationId xmlns:p14="http://schemas.microsoft.com/office/powerpoint/2010/main" xmlns="" val="2960915228"/>
       </p:ext>
     </p:extLst>
   </p:cSld>
@@ -4430,7 +4430,7 @@
   </p:timing>
   <p:extLst mod="1">
     <p:ext uri="{DCECCB84-F9BA-43D5-87BE-67443E8EF086}">
-      <p15:sldGuideLst xmlns="" xmlns:p15="http://schemas.microsoft.com/office/powerpoint/2012/main">
+      <p15:sldGuideLst xmlns:p15="http://schemas.microsoft.com/office/powerpoint/2012/main" xmlns="">
         <p15:guide id="1" pos="288" userDrawn="1">
           <p15:clr>
             <a:srgbClr val="C35EA4"/>
@@ -4570,7 +4570,7 @@
           <a:blip r:embed="rId2">
             <a:extLst>
               <a:ext uri="{28A0092B-C50C-407E-A947-70E740481C1C}">
-                <a14:useLocalDpi xmlns="" xmlns:a14="http://schemas.microsoft.com/office/drawing/2010/main" val="0"/>
+                <a14:useLocalDpi xmlns:a14="http://schemas.microsoft.com/office/drawing/2010/main" xmlns="" val="0"/>
               </a:ext>
             </a:extLst>
           </a:blip>
@@ -4600,7 +4600,7 @@
           <a:blip r:embed="rId3">
             <a:extLst>
               <a:ext uri="{28A0092B-C50C-407E-A947-70E740481C1C}">
-                <a14:useLocalDpi xmlns="" xmlns:a14="http://schemas.microsoft.com/office/drawing/2010/main" val="0"/>
+                <a14:useLocalDpi xmlns:a14="http://schemas.microsoft.com/office/drawing/2010/main" xmlns="" val="0"/>
               </a:ext>
             </a:extLst>
           </a:blip>
@@ -4621,7 +4621,7 @@
     </p:spTree>
     <p:extLst>
       <p:ext uri="{BB962C8B-B14F-4D97-AF65-F5344CB8AC3E}">
-        <p14:creationId xmlns="" xmlns:p14="http://schemas.microsoft.com/office/powerpoint/2010/main" val="1283569816"/>
+        <p14:creationId xmlns:p14="http://schemas.microsoft.com/office/powerpoint/2010/main" xmlns="" val="1283569816"/>
       </p:ext>
     </p:extLst>
   </p:cSld>
@@ -4873,7 +4873,7 @@
           <a:blip r:embed="rId2">
             <a:extLst>
               <a:ext uri="{28A0092B-C50C-407E-A947-70E740481C1C}">
-                <a14:useLocalDpi xmlns="" xmlns:a14="http://schemas.microsoft.com/office/drawing/2010/main" val="0"/>
+                <a14:useLocalDpi xmlns:a14="http://schemas.microsoft.com/office/drawing/2010/main" xmlns="" val="0"/>
               </a:ext>
             </a:extLst>
           </a:blip>
@@ -4903,7 +4903,7 @@
           <a:blip r:embed="rId3">
             <a:extLst>
               <a:ext uri="{28A0092B-C50C-407E-A947-70E740481C1C}">
-                <a14:useLocalDpi xmlns="" xmlns:a14="http://schemas.microsoft.com/office/drawing/2010/main" val="0"/>
+                <a14:useLocalDpi xmlns:a14="http://schemas.microsoft.com/office/drawing/2010/main" xmlns="" val="0"/>
               </a:ext>
             </a:extLst>
           </a:blip>
@@ -4924,7 +4924,7 @@
     </p:spTree>
     <p:extLst>
       <p:ext uri="{BB962C8B-B14F-4D97-AF65-F5344CB8AC3E}">
-        <p14:creationId xmlns="" xmlns:p14="http://schemas.microsoft.com/office/powerpoint/2010/main" val="843985228"/>
+        <p14:creationId xmlns:p14="http://schemas.microsoft.com/office/powerpoint/2010/main" xmlns="" val="843985228"/>
       </p:ext>
     </p:extLst>
   </p:cSld>
@@ -4995,7 +4995,7 @@
     </p:spTree>
     <p:extLst>
       <p:ext uri="{BB962C8B-B14F-4D97-AF65-F5344CB8AC3E}">
-        <p14:creationId xmlns="" xmlns:p14="http://schemas.microsoft.com/office/powerpoint/2010/main" val="3311135705"/>
+        <p14:creationId xmlns:p14="http://schemas.microsoft.com/office/powerpoint/2010/main" xmlns="" val="3311135705"/>
       </p:ext>
     </p:extLst>
   </p:cSld>
@@ -5043,7 +5043,7 @@
     </p:spTree>
     <p:extLst>
       <p:ext uri="{BB962C8B-B14F-4D97-AF65-F5344CB8AC3E}">
-        <p14:creationId xmlns="" xmlns:p14="http://schemas.microsoft.com/office/powerpoint/2010/main" val="2189526804"/>
+        <p14:creationId xmlns:p14="http://schemas.microsoft.com/office/powerpoint/2010/main" xmlns="" val="2189526804"/>
       </p:ext>
     </p:extLst>
   </p:cSld>
@@ -5091,7 +5091,7 @@
     </p:spTree>
     <p:extLst>
       <p:ext uri="{BB962C8B-B14F-4D97-AF65-F5344CB8AC3E}">
-        <p14:creationId xmlns="" xmlns:p14="http://schemas.microsoft.com/office/powerpoint/2010/main" val="2878450787"/>
+        <p14:creationId xmlns:p14="http://schemas.microsoft.com/office/powerpoint/2010/main" xmlns="" val="2878450787"/>
       </p:ext>
     </p:extLst>
   </p:cSld>
@@ -5139,7 +5139,7 @@
     </p:spTree>
     <p:extLst>
       <p:ext uri="{BB962C8B-B14F-4D97-AF65-F5344CB8AC3E}">
-        <p14:creationId xmlns="" xmlns:p14="http://schemas.microsoft.com/office/powerpoint/2010/main" val="1896928305"/>
+        <p14:creationId xmlns:p14="http://schemas.microsoft.com/office/powerpoint/2010/main" xmlns="" val="1896928305"/>
       </p:ext>
     </p:extLst>
   </p:cSld>
@@ -5427,7 +5427,7 @@
     </p:spTree>
     <p:extLst>
       <p:ext uri="{BB962C8B-B14F-4D97-AF65-F5344CB8AC3E}">
-        <p14:creationId xmlns="" xmlns:p14="http://schemas.microsoft.com/office/powerpoint/2010/main" val="1562577389"/>
+        <p14:creationId xmlns:p14="http://schemas.microsoft.com/office/powerpoint/2010/main" xmlns="" val="1562577389"/>
       </p:ext>
     </p:extLst>
   </p:cSld>
@@ -5756,7 +5756,7 @@
     </p:spTree>
     <p:extLst>
       <p:ext uri="{BB962C8B-B14F-4D97-AF65-F5344CB8AC3E}">
-        <p14:creationId xmlns="" xmlns:p14="http://schemas.microsoft.com/office/powerpoint/2010/main" val="3530996961"/>
+        <p14:creationId xmlns:p14="http://schemas.microsoft.com/office/powerpoint/2010/main" xmlns="" val="3530996961"/>
       </p:ext>
     </p:extLst>
   </p:cSld>
@@ -6010,7 +6010,7 @@
     </p:spTree>
     <p:extLst>
       <p:ext uri="{BB962C8B-B14F-4D97-AF65-F5344CB8AC3E}">
-        <p14:creationId xmlns="" xmlns:p14="http://schemas.microsoft.com/office/powerpoint/2010/main" val="350467711"/>
+        <p14:creationId xmlns:p14="http://schemas.microsoft.com/office/powerpoint/2010/main" xmlns="" val="350467711"/>
       </p:ext>
     </p:extLst>
   </p:cSld>
@@ -6363,7 +6363,7 @@
             <a:blip r:embed="rId2">
               <a:extLst>
                 <a:ext uri="{28A0092B-C50C-407E-A947-70E740481C1C}">
-                  <a14:useLocalDpi xmlns="" xmlns:a14="http://schemas.microsoft.com/office/drawing/2010/main" val="0"/>
+                  <a14:useLocalDpi xmlns:a14="http://schemas.microsoft.com/office/drawing/2010/main" xmlns="" val="0"/>
                 </a:ext>
               </a:extLst>
             </a:blip>
@@ -6394,7 +6394,7 @@
           <a:blip r:embed="rId3">
             <a:extLst>
               <a:ext uri="{28A0092B-C50C-407E-A947-70E740481C1C}">
-                <a14:useLocalDpi xmlns="" xmlns:a14="http://schemas.microsoft.com/office/drawing/2010/main" val="0"/>
+                <a14:useLocalDpi xmlns:a14="http://schemas.microsoft.com/office/drawing/2010/main" xmlns="" val="0"/>
               </a:ext>
             </a:extLst>
           </a:blip>
@@ -6415,7 +6415,7 @@
     </p:spTree>
     <p:extLst>
       <p:ext uri="{BB962C8B-B14F-4D97-AF65-F5344CB8AC3E}">
-        <p14:creationId xmlns="" xmlns:p14="http://schemas.microsoft.com/office/powerpoint/2010/main" val="4279079537"/>
+        <p14:creationId xmlns:p14="http://schemas.microsoft.com/office/powerpoint/2010/main" xmlns="" val="4279079537"/>
       </p:ext>
     </p:extLst>
   </p:cSld>
@@ -6423,7 +6423,7 @@
     <a:masterClrMapping/>
   </p:clrMapOvr>
   <mc:AlternateContent xmlns:mc="http://schemas.openxmlformats.org/markup-compatibility/2006">
-    <mc:Choice xmlns="" xmlns:p14="http://schemas.microsoft.com/office/powerpoint/2010/main" Requires="p14">
+    <mc:Choice xmlns:p14="http://schemas.microsoft.com/office/powerpoint/2010/main" xmlns="" Requires="p14">
       <p:transition spd="slow" p14:dur="2000">
         <p14:reveal/>
       </p:transition>
@@ -6443,7 +6443,7 @@
   </p:timing>
   <p:extLst mod="1">
     <p:ext uri="{DCECCB84-F9BA-43D5-87BE-67443E8EF086}">
-      <p15:sldGuideLst xmlns="" xmlns:p15="http://schemas.microsoft.com/office/powerpoint/2012/main">
+      <p15:sldGuideLst xmlns:p15="http://schemas.microsoft.com/office/powerpoint/2012/main" xmlns="">
         <p15:guide id="1" pos="288" userDrawn="1">
           <p15:clr>
             <a:srgbClr val="C35EA4"/>
@@ -6748,7 +6748,7 @@
           <a:blip r:embed="rId2">
             <a:extLst>
               <a:ext uri="{28A0092B-C50C-407E-A947-70E740481C1C}">
-                <a14:useLocalDpi xmlns="" xmlns:a14="http://schemas.microsoft.com/office/drawing/2010/main" val="0"/>
+                <a14:useLocalDpi xmlns:a14="http://schemas.microsoft.com/office/drawing/2010/main" xmlns="" val="0"/>
               </a:ext>
             </a:extLst>
           </a:blip>
@@ -6778,7 +6778,7 @@
           <a:blip r:embed="rId3">
             <a:extLst>
               <a:ext uri="{28A0092B-C50C-407E-A947-70E740481C1C}">
-                <a14:useLocalDpi xmlns="" xmlns:a14="http://schemas.microsoft.com/office/drawing/2010/main" val="0"/>
+                <a14:useLocalDpi xmlns:a14="http://schemas.microsoft.com/office/drawing/2010/main" xmlns="" val="0"/>
               </a:ext>
             </a:extLst>
           </a:blip>
@@ -6799,7 +6799,7 @@
     </p:spTree>
     <p:extLst>
       <p:ext uri="{BB962C8B-B14F-4D97-AF65-F5344CB8AC3E}">
-        <p14:creationId xmlns="" xmlns:p14="http://schemas.microsoft.com/office/powerpoint/2010/main" val="2923861903"/>
+        <p14:creationId xmlns:p14="http://schemas.microsoft.com/office/powerpoint/2010/main" xmlns="" val="2923861903"/>
       </p:ext>
     </p:extLst>
   </p:cSld>
@@ -6807,7 +6807,7 @@
     <a:masterClrMapping/>
   </p:clrMapOvr>
   <mc:AlternateContent xmlns:mc="http://schemas.openxmlformats.org/markup-compatibility/2006">
-    <mc:Choice xmlns="" xmlns:p14="http://schemas.microsoft.com/office/powerpoint/2010/main" Requires="p14">
+    <mc:Choice xmlns:p14="http://schemas.microsoft.com/office/powerpoint/2010/main" xmlns="" Requires="p14">
       <p:transition spd="slow" p14:dur="2000">
         <p14:reveal/>
       </p:transition>
@@ -7040,7 +7040,7 @@
           <a:blip r:embed="rId2">
             <a:extLst>
               <a:ext uri="{28A0092B-C50C-407E-A947-70E740481C1C}">
-                <a14:useLocalDpi xmlns="" xmlns:a14="http://schemas.microsoft.com/office/drawing/2010/main" val="0"/>
+                <a14:useLocalDpi xmlns:a14="http://schemas.microsoft.com/office/drawing/2010/main" xmlns="" val="0"/>
               </a:ext>
             </a:extLst>
           </a:blip>
@@ -7070,7 +7070,7 @@
           <a:blip r:embed="rId3">
             <a:extLst>
               <a:ext uri="{28A0092B-C50C-407E-A947-70E740481C1C}">
-                <a14:useLocalDpi xmlns="" xmlns:a14="http://schemas.microsoft.com/office/drawing/2010/main" val="0"/>
+                <a14:useLocalDpi xmlns:a14="http://schemas.microsoft.com/office/drawing/2010/main" xmlns="" val="0"/>
               </a:ext>
             </a:extLst>
           </a:blip>
@@ -7091,7 +7091,7 @@
     </p:spTree>
     <p:extLst>
       <p:ext uri="{BB962C8B-B14F-4D97-AF65-F5344CB8AC3E}">
-        <p14:creationId xmlns="" xmlns:p14="http://schemas.microsoft.com/office/powerpoint/2010/main" val="1706119662"/>
+        <p14:creationId xmlns:p14="http://schemas.microsoft.com/office/powerpoint/2010/main" xmlns="" val="1706119662"/>
       </p:ext>
     </p:extLst>
   </p:cSld>
@@ -7099,7 +7099,7 @@
     <a:masterClrMapping/>
   </p:clrMapOvr>
   <mc:AlternateContent xmlns:mc="http://schemas.openxmlformats.org/markup-compatibility/2006">
-    <mc:Choice xmlns="" xmlns:p14="http://schemas.microsoft.com/office/powerpoint/2010/main" Requires="p14">
+    <mc:Choice xmlns:p14="http://schemas.microsoft.com/office/powerpoint/2010/main" xmlns="" Requires="p14">
       <p:transition spd="slow" p14:dur="2000">
         <p14:reveal/>
       </p:transition>
@@ -7278,7 +7278,7 @@
           <a:blip r:embed="rId2">
             <a:extLst>
               <a:ext uri="{28A0092B-C50C-407E-A947-70E740481C1C}">
-                <a14:useLocalDpi xmlns="" xmlns:a14="http://schemas.microsoft.com/office/drawing/2010/main" val="0"/>
+                <a14:useLocalDpi xmlns:a14="http://schemas.microsoft.com/office/drawing/2010/main" xmlns="" val="0"/>
               </a:ext>
             </a:extLst>
           </a:blip>
@@ -7308,7 +7308,7 @@
           <a:blip r:embed="rId3">
             <a:extLst>
               <a:ext uri="{28A0092B-C50C-407E-A947-70E740481C1C}">
-                <a14:useLocalDpi xmlns="" xmlns:a14="http://schemas.microsoft.com/office/drawing/2010/main" val="0"/>
+                <a14:useLocalDpi xmlns:a14="http://schemas.microsoft.com/office/drawing/2010/main" xmlns="" val="0"/>
               </a:ext>
             </a:extLst>
           </a:blip>
@@ -7329,7 +7329,7 @@
     </p:spTree>
     <p:extLst>
       <p:ext uri="{BB962C8B-B14F-4D97-AF65-F5344CB8AC3E}">
-        <p14:creationId xmlns="" xmlns:p14="http://schemas.microsoft.com/office/powerpoint/2010/main" val="4075357253"/>
+        <p14:creationId xmlns:p14="http://schemas.microsoft.com/office/powerpoint/2010/main" xmlns="" val="4075357253"/>
       </p:ext>
     </p:extLst>
   </p:cSld>
@@ -7633,7 +7633,7 @@
           <a:blip r:embed="rId2">
             <a:extLst>
               <a:ext uri="{28A0092B-C50C-407E-A947-70E740481C1C}">
-                <a14:useLocalDpi xmlns="" xmlns:a14="http://schemas.microsoft.com/office/drawing/2010/main" val="0"/>
+                <a14:useLocalDpi xmlns:a14="http://schemas.microsoft.com/office/drawing/2010/main" xmlns="" val="0"/>
               </a:ext>
             </a:extLst>
           </a:blip>
@@ -7663,7 +7663,7 @@
           <a:blip r:embed="rId3">
             <a:extLst>
               <a:ext uri="{28A0092B-C50C-407E-A947-70E740481C1C}">
-                <a14:useLocalDpi xmlns="" xmlns:a14="http://schemas.microsoft.com/office/drawing/2010/main" val="0"/>
+                <a14:useLocalDpi xmlns:a14="http://schemas.microsoft.com/office/drawing/2010/main" xmlns="" val="0"/>
               </a:ext>
             </a:extLst>
           </a:blip>
@@ -7684,7 +7684,7 @@
     </p:spTree>
     <p:extLst>
       <p:ext uri="{BB962C8B-B14F-4D97-AF65-F5344CB8AC3E}">
-        <p14:creationId xmlns="" xmlns:p14="http://schemas.microsoft.com/office/powerpoint/2010/main" val="3934963897"/>
+        <p14:creationId xmlns:p14="http://schemas.microsoft.com/office/powerpoint/2010/main" xmlns="" val="3934963897"/>
       </p:ext>
     </p:extLst>
   </p:cSld>
@@ -7852,7 +7852,7 @@
           <a:blip r:embed="rId2">
             <a:extLst>
               <a:ext uri="{28A0092B-C50C-407E-A947-70E740481C1C}">
-                <a14:useLocalDpi xmlns="" xmlns:a14="http://schemas.microsoft.com/office/drawing/2010/main" val="0"/>
+                <a14:useLocalDpi xmlns:a14="http://schemas.microsoft.com/office/drawing/2010/main" xmlns="" val="0"/>
               </a:ext>
             </a:extLst>
           </a:blip>
@@ -7882,7 +7882,7 @@
           <a:blip r:embed="rId3">
             <a:extLst>
               <a:ext uri="{28A0092B-C50C-407E-A947-70E740481C1C}">
-                <a14:useLocalDpi xmlns="" xmlns:a14="http://schemas.microsoft.com/office/drawing/2010/main" val="0"/>
+                <a14:useLocalDpi xmlns:a14="http://schemas.microsoft.com/office/drawing/2010/main" xmlns="" val="0"/>
               </a:ext>
             </a:extLst>
           </a:blip>
@@ -7903,7 +7903,7 @@
     </p:spTree>
     <p:extLst>
       <p:ext uri="{BB962C8B-B14F-4D97-AF65-F5344CB8AC3E}">
-        <p14:creationId xmlns="" xmlns:p14="http://schemas.microsoft.com/office/powerpoint/2010/main" val="3785461834"/>
+        <p14:creationId xmlns:p14="http://schemas.microsoft.com/office/powerpoint/2010/main" xmlns="" val="3785461834"/>
       </p:ext>
     </p:extLst>
   </p:cSld>
@@ -8036,7 +8036,7 @@
           <a:blip r:embed="rId2">
             <a:extLst>
               <a:ext uri="{28A0092B-C50C-407E-A947-70E740481C1C}">
-                <a14:useLocalDpi xmlns="" xmlns:a14="http://schemas.microsoft.com/office/drawing/2010/main" val="0"/>
+                <a14:useLocalDpi xmlns:a14="http://schemas.microsoft.com/office/drawing/2010/main" xmlns="" val="0"/>
               </a:ext>
             </a:extLst>
           </a:blip>
@@ -8066,7 +8066,7 @@
           <a:blip r:embed="rId3">
             <a:extLst>
               <a:ext uri="{28A0092B-C50C-407E-A947-70E740481C1C}">
-                <a14:useLocalDpi xmlns="" xmlns:a14="http://schemas.microsoft.com/office/drawing/2010/main" val="0"/>
+                <a14:useLocalDpi xmlns:a14="http://schemas.microsoft.com/office/drawing/2010/main" xmlns="" val="0"/>
               </a:ext>
             </a:extLst>
           </a:blip>
@@ -8087,7 +8087,7 @@
     </p:spTree>
     <p:extLst>
       <p:ext uri="{BB962C8B-B14F-4D97-AF65-F5344CB8AC3E}">
-        <p14:creationId xmlns="" xmlns:p14="http://schemas.microsoft.com/office/powerpoint/2010/main" val="2700184165"/>
+        <p14:creationId xmlns:p14="http://schemas.microsoft.com/office/powerpoint/2010/main" xmlns="" val="2700184165"/>
       </p:ext>
     </p:extLst>
   </p:cSld>
@@ -8220,7 +8220,7 @@
           <a:blip r:embed="rId2">
             <a:extLst>
               <a:ext uri="{28A0092B-C50C-407E-A947-70E740481C1C}">
-                <a14:useLocalDpi xmlns="" xmlns:a14="http://schemas.microsoft.com/office/drawing/2010/main" val="0"/>
+                <a14:useLocalDpi xmlns:a14="http://schemas.microsoft.com/office/drawing/2010/main" xmlns="" val="0"/>
               </a:ext>
             </a:extLst>
           </a:blip>
@@ -8250,7 +8250,7 @@
           <a:blip r:embed="rId3">
             <a:extLst>
               <a:ext uri="{28A0092B-C50C-407E-A947-70E740481C1C}">
-                <a14:useLocalDpi xmlns="" xmlns:a14="http://schemas.microsoft.com/office/drawing/2010/main" val="0"/>
+                <a14:useLocalDpi xmlns:a14="http://schemas.microsoft.com/office/drawing/2010/main" xmlns="" val="0"/>
               </a:ext>
             </a:extLst>
           </a:blip>
@@ -8310,7 +8310,7 @@
     </p:spTree>
     <p:extLst>
       <p:ext uri="{BB962C8B-B14F-4D97-AF65-F5344CB8AC3E}">
-        <p14:creationId xmlns="" xmlns:p14="http://schemas.microsoft.com/office/powerpoint/2010/main" val="1950303178"/>
+        <p14:creationId xmlns:p14="http://schemas.microsoft.com/office/powerpoint/2010/main" xmlns="" val="1950303178"/>
       </p:ext>
     </p:extLst>
   </p:cSld>
@@ -8367,7 +8367,7 @@
           <a:blip r:embed="rId20">
             <a:extLst>
               <a:ext uri="{28A0092B-C50C-407E-A947-70E740481C1C}">
-                <a14:useLocalDpi xmlns="" xmlns:a14="http://schemas.microsoft.com/office/drawing/2010/main" val="0"/>
+                <a14:useLocalDpi xmlns:a14="http://schemas.microsoft.com/office/drawing/2010/main" xmlns="" val="0"/>
               </a:ext>
             </a:extLst>
           </a:blip>
@@ -8483,7 +8483,7 @@
     </p:spTree>
     <p:extLst>
       <p:ext uri="{BB962C8B-B14F-4D97-AF65-F5344CB8AC3E}">
-        <p14:creationId xmlns="" xmlns:p14="http://schemas.microsoft.com/office/powerpoint/2010/main" val="1790270825"/>
+        <p14:creationId xmlns:p14="http://schemas.microsoft.com/office/powerpoint/2010/main" xmlns="" val="1790270825"/>
       </p:ext>
     </p:extLst>
   </p:cSld>
@@ -8870,7 +8870,7 @@
   </p:txStyles>
   <p:extLst mod="1">
     <p:ext uri="{27BBF7A9-308A-43DC-89C8-2F10F3537804}">
-      <p15:sldGuideLst xmlns="" xmlns:p15="http://schemas.microsoft.com/office/powerpoint/2012/main">
+      <p15:sldGuideLst xmlns:p15="http://schemas.microsoft.com/office/powerpoint/2012/main" xmlns="">
         <p15:guide id="1" orient="horz" pos="187" userDrawn="1">
           <p15:clr>
             <a:srgbClr val="5ACBF0"/>
@@ -9364,7 +9364,7 @@
     </p:spTree>
     <p:extLst>
       <p:ext uri="{BB962C8B-B14F-4D97-AF65-F5344CB8AC3E}">
-        <p14:creationId xmlns="" xmlns:p14="http://schemas.microsoft.com/office/powerpoint/2010/main" val="3511707254"/>
+        <p14:creationId xmlns:p14="http://schemas.microsoft.com/office/powerpoint/2010/main" xmlns="" val="3511707254"/>
       </p:ext>
     </p:extLst>
   </p:cSld>
@@ -9556,7 +9556,7 @@
     </p:spTree>
     <p:extLst>
       <p:ext uri="{BB962C8B-B14F-4D97-AF65-F5344CB8AC3E}">
-        <p14:creationId xmlns="" xmlns:p14="http://schemas.microsoft.com/office/powerpoint/2010/main" val="268306256"/>
+        <p14:creationId xmlns:p14="http://schemas.microsoft.com/office/powerpoint/2010/main" xmlns="" val="268306256"/>
       </p:ext>
     </p:extLst>
   </p:cSld>
@@ -9647,7 +9647,7 @@
           <p:nvPr>
             <p:extLst>
               <p:ext uri="{D42A27DB-BD31-4B8C-83A1-F6EECF244321}">
-                <p14:modId xmlns="" xmlns:p14="http://schemas.microsoft.com/office/powerpoint/2010/main" val="3131963407"/>
+                <p14:modId xmlns:p14="http://schemas.microsoft.com/office/powerpoint/2010/main" xmlns="" val="3131963407"/>
               </p:ext>
             </p:extLst>
           </p:nvPr>
@@ -9665,7 +9665,7 @@
     </p:spTree>
     <p:extLst>
       <p:ext uri="{BB962C8B-B14F-4D97-AF65-F5344CB8AC3E}">
-        <p14:creationId xmlns="" xmlns:p14="http://schemas.microsoft.com/office/powerpoint/2010/main" val="3924646915"/>
+        <p14:creationId xmlns:p14="http://schemas.microsoft.com/office/powerpoint/2010/main" xmlns="" val="3924646915"/>
       </p:ext>
     </p:extLst>
   </p:cSld>
@@ -9721,7 +9721,7 @@
             </a:duotone>
             <a:extLst>
               <a:ext uri="{28A0092B-C50C-407E-A947-70E740481C1C}">
-                <a14:useLocalDpi xmlns="" xmlns:a14="http://schemas.microsoft.com/office/drawing/2010/main" val="0"/>
+                <a14:useLocalDpi xmlns:a14="http://schemas.microsoft.com/office/drawing/2010/main" xmlns="" val="0"/>
               </a:ext>
             </a:extLst>
           </a:blip>
@@ -9741,7 +9741,7 @@
           <a:noFill/>
           <a:extLst>
             <a:ext uri="{909E8E84-426E-40DD-AFC4-6F175D3DCCD1}">
-              <a14:hiddenFill xmlns="" xmlns:a14="http://schemas.microsoft.com/office/drawing/2010/main">
+              <a14:hiddenFill xmlns:a14="http://schemas.microsoft.com/office/drawing/2010/main" xmlns="">
                 <a:solidFill>
                   <a:srgbClr val="FFFFFF"/>
                 </a:solidFill>
@@ -9753,7 +9753,7 @@
     </p:spTree>
     <p:extLst>
       <p:ext uri="{BB962C8B-B14F-4D97-AF65-F5344CB8AC3E}">
-        <p14:creationId xmlns="" xmlns:p14="http://schemas.microsoft.com/office/powerpoint/2010/main" val="410150911"/>
+        <p14:creationId xmlns:p14="http://schemas.microsoft.com/office/powerpoint/2010/main" xmlns="" val="410150911"/>
       </p:ext>
     </p:extLst>
   </p:cSld>
@@ -9802,7 +9802,7 @@
           <a:blip r:embed="rId2">
             <a:extLst>
               <a:ext uri="{28A0092B-C50C-407E-A947-70E740481C1C}">
-                <a14:useLocalDpi xmlns="" xmlns:a14="http://schemas.microsoft.com/office/drawing/2010/main" val="0"/>
+                <a14:useLocalDpi xmlns:a14="http://schemas.microsoft.com/office/drawing/2010/main" xmlns="" val="0"/>
               </a:ext>
             </a:extLst>
           </a:blip>
@@ -9822,7 +9822,7 @@
           <a:noFill/>
           <a:extLst>
             <a:ext uri="{909E8E84-426E-40DD-AFC4-6F175D3DCCD1}">
-              <a14:hiddenFill xmlns="" xmlns:a14="http://schemas.microsoft.com/office/drawing/2010/main">
+              <a14:hiddenFill xmlns:a14="http://schemas.microsoft.com/office/drawing/2010/main" xmlns="">
                 <a:solidFill>
                   <a:srgbClr val="FFFFFF"/>
                 </a:solidFill>
@@ -9834,7 +9834,7 @@
     </p:spTree>
     <p:extLst>
       <p:ext uri="{BB962C8B-B14F-4D97-AF65-F5344CB8AC3E}">
-        <p14:creationId xmlns="" xmlns:p14="http://schemas.microsoft.com/office/powerpoint/2010/main" val="1411822827"/>
+        <p14:creationId xmlns:p14="http://schemas.microsoft.com/office/powerpoint/2010/main" xmlns="" val="1411822827"/>
       </p:ext>
     </p:extLst>
   </p:cSld>
@@ -9977,7 +9977,7 @@
     </p:spTree>
     <p:extLst>
       <p:ext uri="{BB962C8B-B14F-4D97-AF65-F5344CB8AC3E}">
-        <p14:creationId xmlns="" xmlns:p14="http://schemas.microsoft.com/office/powerpoint/2010/main" val="54506535"/>
+        <p14:creationId xmlns:p14="http://schemas.microsoft.com/office/powerpoint/2010/main" xmlns="" val="54506535"/>
       </p:ext>
     </p:extLst>
   </p:cSld>
@@ -10086,7 +10086,7 @@
     </p:spTree>
     <p:extLst>
       <p:ext uri="{BB962C8B-B14F-4D97-AF65-F5344CB8AC3E}">
-        <p14:creationId xmlns="" xmlns:p14="http://schemas.microsoft.com/office/powerpoint/2010/main" val="2859076259"/>
+        <p14:creationId xmlns:p14="http://schemas.microsoft.com/office/powerpoint/2010/main" xmlns="" val="2859076259"/>
       </p:ext>
     </p:extLst>
   </p:cSld>
@@ -10195,7 +10195,7 @@
     </p:spTree>
     <p:extLst>
       <p:ext uri="{BB962C8B-B14F-4D97-AF65-F5344CB8AC3E}">
-        <p14:creationId xmlns="" xmlns:p14="http://schemas.microsoft.com/office/powerpoint/2010/main" val="1941796276"/>
+        <p14:creationId xmlns:p14="http://schemas.microsoft.com/office/powerpoint/2010/main" xmlns="" val="1941796276"/>
       </p:ext>
     </p:extLst>
   </p:cSld>
@@ -10304,7 +10304,7 @@
     </p:spTree>
     <p:extLst>
       <p:ext uri="{BB962C8B-B14F-4D97-AF65-F5344CB8AC3E}">
-        <p14:creationId xmlns="" xmlns:p14="http://schemas.microsoft.com/office/powerpoint/2010/main" val="50268069"/>
+        <p14:creationId xmlns:p14="http://schemas.microsoft.com/office/powerpoint/2010/main" xmlns="" val="50268069"/>
       </p:ext>
     </p:extLst>
   </p:cSld>
@@ -10572,7 +10572,7 @@
     </p:spTree>
     <p:extLst>
       <p:ext uri="{BB962C8B-B14F-4D97-AF65-F5344CB8AC3E}">
-        <p14:creationId xmlns="" xmlns:p14="http://schemas.microsoft.com/office/powerpoint/2010/main" val="263948797"/>
+        <p14:creationId xmlns:p14="http://schemas.microsoft.com/office/powerpoint/2010/main" xmlns="" val="263948797"/>
       </p:ext>
     </p:extLst>
   </p:cSld>
@@ -10899,7 +10899,7 @@
     </p:spTree>
     <p:extLst>
       <p:ext uri="{BB962C8B-B14F-4D97-AF65-F5344CB8AC3E}">
-        <p14:creationId xmlns="" xmlns:p14="http://schemas.microsoft.com/office/powerpoint/2010/main" val="2209774397"/>
+        <p14:creationId xmlns:p14="http://schemas.microsoft.com/office/powerpoint/2010/main" xmlns="" val="2209774397"/>
       </p:ext>
     </p:extLst>
   </p:cSld>
@@ -11053,7 +11053,7 @@
     </p:spTree>
     <p:extLst>
       <p:ext uri="{BB962C8B-B14F-4D97-AF65-F5344CB8AC3E}">
-        <p14:creationId xmlns="" xmlns:p14="http://schemas.microsoft.com/office/powerpoint/2010/main" val="3846339732"/>
+        <p14:creationId xmlns:p14="http://schemas.microsoft.com/office/powerpoint/2010/main" xmlns="" val="3846339732"/>
       </p:ext>
     </p:extLst>
   </p:cSld>
@@ -11439,7 +11439,7 @@
     </p:spTree>
     <p:extLst>
       <p:ext uri="{BB962C8B-B14F-4D97-AF65-F5344CB8AC3E}">
-        <p14:creationId xmlns="" xmlns:p14="http://schemas.microsoft.com/office/powerpoint/2010/main" val="3641111831"/>
+        <p14:creationId xmlns:p14="http://schemas.microsoft.com/office/powerpoint/2010/main" xmlns="" val="3641111831"/>
       </p:ext>
     </p:extLst>
   </p:cSld>
@@ -11960,7 +11960,7 @@
     </p:spTree>
     <p:extLst>
       <p:ext uri="{BB962C8B-B14F-4D97-AF65-F5344CB8AC3E}">
-        <p14:creationId xmlns="" xmlns:p14="http://schemas.microsoft.com/office/powerpoint/2010/main" val="3159391205"/>
+        <p14:creationId xmlns:p14="http://schemas.microsoft.com/office/powerpoint/2010/main" xmlns="" val="3159391205"/>
       </p:ext>
     </p:extLst>
   </p:cSld>
@@ -12557,7 +12557,7 @@
     </p:spTree>
     <p:extLst>
       <p:ext uri="{BB962C8B-B14F-4D97-AF65-F5344CB8AC3E}">
-        <p14:creationId xmlns="" xmlns:p14="http://schemas.microsoft.com/office/powerpoint/2010/main" val="1891301898"/>
+        <p14:creationId xmlns:p14="http://schemas.microsoft.com/office/powerpoint/2010/main" xmlns="" val="1891301898"/>
       </p:ext>
     </p:extLst>
   </p:cSld>
@@ -12604,15 +12604,7 @@
           <a:p>
             <a:r>
               <a:rPr lang="en-US" dirty="0" smtClean="0"/>
-              <a:t>100</a:t>
-            </a:r>
-            <a:r>
-              <a:rPr lang="en-US" dirty="0" smtClean="0"/>
-              <a:t>% </a:t>
-            </a:r>
-            <a:r>
-              <a:rPr lang="en-US" dirty="0" smtClean="0"/>
-              <a:t>native</a:t>
+              <a:t>100% native</a:t>
             </a:r>
             <a:endParaRPr lang="en-US" dirty="0"/>
           </a:p>
@@ -12640,13 +12632,8 @@
           <a:p>
             <a:r>
               <a:rPr lang="en-US" dirty="0" smtClean="0"/>
-              <a:t>Community &amp; </a:t>
-            </a:r>
-            <a:r>
-              <a:rPr lang="en-US" dirty="0" smtClean="0"/>
-              <a:t>Support</a:t>
-            </a:r>
-            <a:endParaRPr lang="en-US" dirty="0" smtClean="0"/>
+              <a:t>Community &amp; Support</a:t>
+            </a:r>
           </a:p>
           <a:p>
             <a:r>
@@ -12657,13 +12644,8 @@
           <a:p>
             <a:r>
               <a:rPr lang="en-US" dirty="0" smtClean="0"/>
-              <a:t>Minimal Shared </a:t>
-            </a:r>
-            <a:r>
-              <a:rPr lang="en-US" dirty="0" smtClean="0"/>
-              <a:t>Logic</a:t>
-            </a:r>
-            <a:endParaRPr lang="en-US" dirty="0" smtClean="0"/>
+              <a:t>Minimal Shared Logic</a:t>
+            </a:r>
           </a:p>
           <a:p>
             <a:r>
@@ -12677,7 +12659,7 @@
     </p:spTree>
     <p:extLst>
       <p:ext uri="{BB962C8B-B14F-4D97-AF65-F5344CB8AC3E}">
-        <p14:creationId xmlns="" xmlns:p14="http://schemas.microsoft.com/office/powerpoint/2010/main" val="4019327129"/>
+        <p14:creationId xmlns:p14="http://schemas.microsoft.com/office/powerpoint/2010/main" xmlns="" val="4019327129"/>
       </p:ext>
     </p:extLst>
   </p:cSld>
@@ -12685,7 +12667,7 @@
     <a:masterClrMapping/>
   </p:clrMapOvr>
   <mc:AlternateContent xmlns:mc="http://schemas.openxmlformats.org/markup-compatibility/2006">
-    <mc:Choice xmlns="" xmlns:p14="http://schemas.microsoft.com/office/powerpoint/2010/main" Requires="p14">
+    <mc:Choice xmlns:p14="http://schemas.microsoft.com/office/powerpoint/2010/main" xmlns="" Requires="p14">
       <p:transition spd="med" p14:dur="700">
         <p:fade/>
       </p:transition>
@@ -12733,7 +12715,12 @@
             <p:ph type="title"/>
           </p:nvPr>
         </p:nvSpPr>
-        <p:spPr/>
+        <p:spPr>
+          <a:xfrm>
+            <a:off x="89670" y="1578627"/>
+            <a:ext cx="8740142" cy="1347163"/>
+          </a:xfrm>
+        </p:spPr>
         <p:txBody>
           <a:bodyPr/>
           <a:lstStyle/>
@@ -12749,7 +12736,7 @@
     </p:spTree>
     <p:extLst>
       <p:ext uri="{BB962C8B-B14F-4D97-AF65-F5344CB8AC3E}">
-        <p14:creationId xmlns="" xmlns:p14="http://schemas.microsoft.com/office/powerpoint/2010/main" val="3351386275"/>
+        <p14:creationId xmlns:p14="http://schemas.microsoft.com/office/powerpoint/2010/main" xmlns="" val="3351386275"/>
       </p:ext>
     </p:extLst>
   </p:cSld>
@@ -12757,7 +12744,7 @@
     <a:masterClrMapping/>
   </p:clrMapOvr>
   <mc:AlternateContent xmlns:mc="http://schemas.openxmlformats.org/markup-compatibility/2006">
-    <mc:Choice xmlns="" xmlns:p14="http://schemas.microsoft.com/office/powerpoint/2010/main" Requires="p14">
+    <mc:Choice xmlns:p14="http://schemas.microsoft.com/office/powerpoint/2010/main" xmlns="" Requires="p14">
       <p:transition spd="med" p14:dur="700">
         <p:fade/>
       </p:transition>
@@ -13197,11 +13184,6 @@
               </a:rPr>
               <a:t>Apps</a:t>
             </a:r>
-            <a:endParaRPr lang="en-AU" sz="1800" dirty="0" smtClean="0">
-              <a:solidFill>
-                <a:schemeClr val="bg1"/>
-              </a:solidFill>
-            </a:endParaRPr>
           </a:p>
         </p:txBody>
       </p:sp>
@@ -13360,7 +13342,7 @@
     </p:spTree>
     <p:extLst>
       <p:ext uri="{BB962C8B-B14F-4D97-AF65-F5344CB8AC3E}">
-        <p14:creationId xmlns="" xmlns:p14="http://schemas.microsoft.com/office/powerpoint/2010/main" val="3159391205"/>
+        <p14:creationId xmlns:p14="http://schemas.microsoft.com/office/powerpoint/2010/main" xmlns="" val="3159391205"/>
       </p:ext>
     </p:extLst>
   </p:cSld>
@@ -13442,51 +13424,33 @@
           <a:p>
             <a:r>
               <a:rPr lang="en-US" dirty="0" smtClean="0"/>
-              <a:t>Common </a:t>
-            </a:r>
+              <a:t>Common Frameworks</a:t>
+            </a:r>
+          </a:p>
+          <a:p>
             <a:r>
               <a:rPr lang="en-US" dirty="0" smtClean="0"/>
-              <a:t>Frameworks</a:t>
-            </a:r>
-            <a:endParaRPr lang="en-US" dirty="0" smtClean="0"/>
+              <a:t>Responsive Design	</a:t>
+            </a:r>
           </a:p>
           <a:p>
             <a:r>
               <a:rPr lang="en-US" dirty="0" smtClean="0"/>
-              <a:t>Responsive </a:t>
-            </a:r>
+              <a:t>		HTML5</a:t>
+            </a:r>
+          </a:p>
+          <a:p>
             <a:r>
               <a:rPr lang="en-US" dirty="0" smtClean="0"/>
-              <a:t>Design	</a:t>
-            </a:r>
-          </a:p>
-          <a:p>
-            <a:r>
-              <a:rPr lang="en-US" dirty="0" smtClean="0"/>
-              <a:t>	</a:t>
-            </a:r>
-            <a:r>
-              <a:rPr lang="en-US" dirty="0" smtClean="0"/>
-              <a:t>	HTML5</a:t>
-            </a:r>
-          </a:p>
-          <a:p>
-            <a:r>
-              <a:rPr lang="en-US" dirty="0" smtClean="0"/>
-              <a:t>	</a:t>
-            </a:r>
-            <a:r>
-              <a:rPr lang="en-US" dirty="0" smtClean="0"/>
-              <a:t>	Media Queries</a:t>
-            </a:r>
-            <a:endParaRPr lang="en-US" dirty="0" smtClean="0"/>
+              <a:t>		Media Queries</a:t>
+            </a:r>
           </a:p>
         </p:txBody>
       </p:sp>
     </p:spTree>
     <p:extLst>
       <p:ext uri="{BB962C8B-B14F-4D97-AF65-F5344CB8AC3E}">
-        <p14:creationId xmlns="" xmlns:p14="http://schemas.microsoft.com/office/powerpoint/2010/main" val="780521009"/>
+        <p14:creationId xmlns:p14="http://schemas.microsoft.com/office/powerpoint/2010/main" xmlns="" val="780521009"/>
       </p:ext>
     </p:extLst>
   </p:cSld>
@@ -13666,24 +13630,7 @@
                 </a:gradFill>
                 <a:latin typeface="+mj-lt"/>
               </a:rPr>
-              <a:t>When it comes to websites, all the smart kids are </a:t>
-            </a:r>
-            <a:r>
-              <a:rPr lang="en-AU" sz="4000" dirty="0" smtClean="0">
-                <a:gradFill>
-                  <a:gsLst>
-                    <a:gs pos="2917">
-                      <a:schemeClr val="tx1"/>
-                    </a:gs>
-                    <a:gs pos="30000">
-                      <a:schemeClr val="tx1"/>
-                    </a:gs>
-                  </a:gsLst>
-                  <a:lin ang="5400000" scaled="0"/>
-                </a:gradFill>
-                <a:latin typeface="+mj-lt"/>
-              </a:rPr>
-              <a:t>doing </a:t>
+              <a:t>When it comes to websites, all the smart kids are doing </a:t>
             </a:r>
             <a:r>
               <a:rPr lang="en-AU" sz="4400" b="1" dirty="0" smtClean="0">
@@ -13741,7 +13688,7 @@
     </p:spTree>
     <p:extLst>
       <p:ext uri="{BB962C8B-B14F-4D97-AF65-F5344CB8AC3E}">
-        <p14:creationId xmlns="" xmlns:p14="http://schemas.microsoft.com/office/powerpoint/2010/main" val="3905286626"/>
+        <p14:creationId xmlns:p14="http://schemas.microsoft.com/office/powerpoint/2010/main" xmlns="" val="3905286626"/>
       </p:ext>
     </p:extLst>
   </p:cSld>
@@ -14180,11 +14127,6 @@
               </a:rPr>
               <a:t>Apps</a:t>
             </a:r>
-            <a:endParaRPr lang="en-AU" sz="1800" dirty="0" smtClean="0">
-              <a:solidFill>
-                <a:schemeClr val="bg1"/>
-              </a:solidFill>
-            </a:endParaRPr>
           </a:p>
         </p:txBody>
       </p:sp>
@@ -14343,7 +14285,7 @@
     </p:spTree>
     <p:extLst>
       <p:ext uri="{BB962C8B-B14F-4D97-AF65-F5344CB8AC3E}">
-        <p14:creationId xmlns="" xmlns:p14="http://schemas.microsoft.com/office/powerpoint/2010/main" val="3767882"/>
+        <p14:creationId xmlns:p14="http://schemas.microsoft.com/office/powerpoint/2010/main" xmlns="" val="3767882"/>
       </p:ext>
     </p:extLst>
   </p:cSld>
@@ -14535,7 +14477,7 @@
     </p:spTree>
     <p:extLst>
       <p:ext uri="{BB962C8B-B14F-4D97-AF65-F5344CB8AC3E}">
-        <p14:creationId xmlns="" xmlns:p14="http://schemas.microsoft.com/office/powerpoint/2010/main" val="3179379072"/>
+        <p14:creationId xmlns:p14="http://schemas.microsoft.com/office/powerpoint/2010/main" xmlns="" val="3179379072"/>
       </p:ext>
     </p:extLst>
   </p:cSld>
@@ -14637,7 +14579,7 @@
     </p:spTree>
     <p:extLst>
       <p:ext uri="{BB962C8B-B14F-4D97-AF65-F5344CB8AC3E}">
-        <p14:creationId xmlns="" xmlns:p14="http://schemas.microsoft.com/office/powerpoint/2010/main" val="618120176"/>
+        <p14:creationId xmlns:p14="http://schemas.microsoft.com/office/powerpoint/2010/main" xmlns="" val="618120176"/>
       </p:ext>
     </p:extLst>
   </p:cSld>
@@ -14731,7 +14673,7 @@
     </p:spTree>
     <p:extLst>
       <p:ext uri="{BB962C8B-B14F-4D97-AF65-F5344CB8AC3E}">
-        <p14:creationId xmlns="" xmlns:p14="http://schemas.microsoft.com/office/powerpoint/2010/main" val="1051611944"/>
+        <p14:creationId xmlns:p14="http://schemas.microsoft.com/office/powerpoint/2010/main" xmlns="" val="1051611944"/>
       </p:ext>
     </p:extLst>
   </p:cSld>
@@ -14739,7 +14681,7 @@
     <a:masterClrMapping/>
   </p:clrMapOvr>
   <mc:AlternateContent xmlns:mc="http://schemas.openxmlformats.org/markup-compatibility/2006">
-    <mc:Choice xmlns="" xmlns:p14="http://schemas.microsoft.com/office/powerpoint/2010/main" Requires="p14">
+    <mc:Choice xmlns:p14="http://schemas.microsoft.com/office/powerpoint/2010/main" xmlns="" Requires="p14">
       <p:transition spd="slow" p14:dur="3400">
         <p14:reveal/>
       </p:transition>
@@ -14869,7 +14811,7 @@
     </p:spTree>
     <p:extLst>
       <p:ext uri="{BB962C8B-B14F-4D97-AF65-F5344CB8AC3E}">
-        <p14:creationId xmlns="" xmlns:p14="http://schemas.microsoft.com/office/powerpoint/2010/main" val="3124090703"/>
+        <p14:creationId xmlns:p14="http://schemas.microsoft.com/office/powerpoint/2010/main" xmlns="" val="3124090703"/>
       </p:ext>
     </p:extLst>
   </p:cSld>
@@ -14877,7 +14819,7 @@
     <a:masterClrMapping/>
   </p:clrMapOvr>
   <mc:AlternateContent xmlns:mc="http://schemas.openxmlformats.org/markup-compatibility/2006">
-    <mc:Choice xmlns="" xmlns:p14="http://schemas.microsoft.com/office/powerpoint/2010/main" Requires="p14">
+    <mc:Choice xmlns:p14="http://schemas.microsoft.com/office/powerpoint/2010/main" xmlns="" Requires="p14">
       <p:transition spd="med" p14:dur="700">
         <p:fade/>
       </p:transition>
@@ -15001,7 +14943,7 @@
     </p:spTree>
     <p:extLst>
       <p:ext uri="{BB962C8B-B14F-4D97-AF65-F5344CB8AC3E}">
-        <p14:creationId xmlns="" xmlns:p14="http://schemas.microsoft.com/office/powerpoint/2010/main" val="4286975432"/>
+        <p14:creationId xmlns:p14="http://schemas.microsoft.com/office/powerpoint/2010/main" xmlns="" val="4286975432"/>
       </p:ext>
     </p:extLst>
   </p:cSld>
@@ -15009,7 +14951,7 @@
     <a:masterClrMapping/>
   </p:clrMapOvr>
   <mc:AlternateContent xmlns:mc="http://schemas.openxmlformats.org/markup-compatibility/2006">
-    <mc:Choice xmlns="" xmlns:p14="http://schemas.microsoft.com/office/powerpoint/2010/main" Requires="p14">
+    <mc:Choice xmlns:p14="http://schemas.microsoft.com/office/powerpoint/2010/main" xmlns="" Requires="p14">
       <p:transition spd="med" p14:dur="700">
         <p:fade/>
       </p:transition>
@@ -15108,7 +15050,7 @@
     </p:spTree>
     <p:extLst>
       <p:ext uri="{BB962C8B-B14F-4D97-AF65-F5344CB8AC3E}">
-        <p14:creationId xmlns="" xmlns:p14="http://schemas.microsoft.com/office/powerpoint/2010/main" val="3379565669"/>
+        <p14:creationId xmlns:p14="http://schemas.microsoft.com/office/powerpoint/2010/main" xmlns="" val="3379565669"/>
       </p:ext>
     </p:extLst>
   </p:cSld>
@@ -15116,7 +15058,7 @@
     <a:masterClrMapping/>
   </p:clrMapOvr>
   <mc:AlternateContent xmlns:mc="http://schemas.openxmlformats.org/markup-compatibility/2006">
-    <mc:Choice xmlns="" xmlns:p14="http://schemas.microsoft.com/office/powerpoint/2010/main" Requires="p14">
+    <mc:Choice xmlns:p14="http://schemas.microsoft.com/office/powerpoint/2010/main" xmlns="" Requires="p14">
       <p:transition spd="med" p14:dur="700">
         <p:fade/>
       </p:transition>
@@ -15223,7 +15165,7 @@
     </p:spTree>
     <p:extLst>
       <p:ext uri="{BB962C8B-B14F-4D97-AF65-F5344CB8AC3E}">
-        <p14:creationId xmlns="" xmlns:p14="http://schemas.microsoft.com/office/powerpoint/2010/main" val="752427130"/>
+        <p14:creationId xmlns:p14="http://schemas.microsoft.com/office/powerpoint/2010/main" xmlns="" val="752427130"/>
       </p:ext>
     </p:extLst>
   </p:cSld>
@@ -15231,7 +15173,7 @@
     <a:masterClrMapping/>
   </p:clrMapOvr>
   <mc:AlternateContent xmlns:mc="http://schemas.openxmlformats.org/markup-compatibility/2006">
-    <mc:Choice xmlns="" xmlns:p14="http://schemas.microsoft.com/office/powerpoint/2010/main" Requires="p14">
+    <mc:Choice xmlns:p14="http://schemas.microsoft.com/office/powerpoint/2010/main" xmlns="" Requires="p14">
       <p:transition spd="med" p14:dur="700">
         <p:fade/>
       </p:transition>
@@ -15415,7 +15357,7 @@
     </p:spTree>
     <p:extLst>
       <p:ext uri="{BB962C8B-B14F-4D97-AF65-F5344CB8AC3E}">
-        <p14:creationId xmlns="" xmlns:p14="http://schemas.microsoft.com/office/powerpoint/2010/main" val="3340705092"/>
+        <p14:creationId xmlns:p14="http://schemas.microsoft.com/office/powerpoint/2010/main" xmlns="" val="3340705092"/>
       </p:ext>
     </p:extLst>
   </p:cSld>
@@ -15423,7 +15365,7 @@
     <a:masterClrMapping/>
   </p:clrMapOvr>
   <mc:AlternateContent xmlns:mc="http://schemas.openxmlformats.org/markup-compatibility/2006">
-    <mc:Choice xmlns="" xmlns:p14="http://schemas.microsoft.com/office/powerpoint/2010/main" Requires="p14">
+    <mc:Choice xmlns:p14="http://schemas.microsoft.com/office/powerpoint/2010/main" xmlns="" Requires="p14">
       <p:transition spd="med" p14:dur="700">
         <p:fade/>
       </p:transition>
@@ -15518,7 +15460,7 @@
     </p:spTree>
     <p:extLst>
       <p:ext uri="{BB962C8B-B14F-4D97-AF65-F5344CB8AC3E}">
-        <p14:creationId xmlns="" xmlns:p14="http://schemas.microsoft.com/office/powerpoint/2010/main" val="57967724"/>
+        <p14:creationId xmlns:p14="http://schemas.microsoft.com/office/powerpoint/2010/main" xmlns="" val="57967724"/>
       </p:ext>
     </p:extLst>
   </p:cSld>
@@ -15526,7 +15468,7 @@
     <a:masterClrMapping/>
   </p:clrMapOvr>
   <mc:AlternateContent xmlns:mc="http://schemas.openxmlformats.org/markup-compatibility/2006">
-    <mc:Choice xmlns="" xmlns:p14="http://schemas.microsoft.com/office/powerpoint/2010/main" Requires="p14">
+    <mc:Choice xmlns:p14="http://schemas.microsoft.com/office/powerpoint/2010/main" xmlns="" Requires="p14">
       <p:transition spd="med" p14:dur="700">
         <p:fade/>
       </p:transition>
@@ -15679,7 +15621,7 @@
     </p:spTree>
     <p:extLst>
       <p:ext uri="{BB962C8B-B14F-4D97-AF65-F5344CB8AC3E}">
-        <p14:creationId xmlns="" xmlns:p14="http://schemas.microsoft.com/office/powerpoint/2010/main" val="609791232"/>
+        <p14:creationId xmlns:p14="http://schemas.microsoft.com/office/powerpoint/2010/main" xmlns="" val="609791232"/>
       </p:ext>
     </p:extLst>
   </p:cSld>
@@ -15911,7 +15853,7 @@
     </p:spTree>
     <p:extLst>
       <p:ext uri="{BB962C8B-B14F-4D97-AF65-F5344CB8AC3E}">
-        <p14:creationId xmlns="" xmlns:p14="http://schemas.microsoft.com/office/powerpoint/2010/main" val="612371436"/>
+        <p14:creationId xmlns:p14="http://schemas.microsoft.com/office/powerpoint/2010/main" xmlns="" val="612371436"/>
       </p:ext>
     </p:extLst>
   </p:cSld>
@@ -16103,7 +16045,7 @@
     </p:spTree>
     <p:extLst>
       <p:ext uri="{BB962C8B-B14F-4D97-AF65-F5344CB8AC3E}">
-        <p14:creationId xmlns="" xmlns:p14="http://schemas.microsoft.com/office/powerpoint/2010/main" val="1692974943"/>
+        <p14:creationId xmlns:p14="http://schemas.microsoft.com/office/powerpoint/2010/main" xmlns="" val="1692974943"/>
       </p:ext>
     </p:extLst>
   </p:cSld>
@@ -16417,7 +16359,7 @@
     </p:spTree>
     <p:extLst>
       <p:ext uri="{BB962C8B-B14F-4D97-AF65-F5344CB8AC3E}">
-        <p14:creationId xmlns="" xmlns:p14="http://schemas.microsoft.com/office/powerpoint/2010/main" val="886985233"/>
+        <p14:creationId xmlns:p14="http://schemas.microsoft.com/office/powerpoint/2010/main" xmlns="" val="886985233"/>
       </p:ext>
     </p:extLst>
   </p:cSld>
@@ -16841,7 +16783,7 @@
     </p:spTree>
     <p:extLst>
       <p:ext uri="{BB962C8B-B14F-4D97-AF65-F5344CB8AC3E}">
-        <p14:creationId xmlns="" xmlns:p14="http://schemas.microsoft.com/office/powerpoint/2010/main" val="272498676"/>
+        <p14:creationId xmlns:p14="http://schemas.microsoft.com/office/powerpoint/2010/main" xmlns="" val="272498676"/>
       </p:ext>
     </p:extLst>
   </p:cSld>
@@ -17603,7 +17545,7 @@
     </p:spTree>
     <p:extLst>
       <p:ext uri="{BB962C8B-B14F-4D97-AF65-F5344CB8AC3E}">
-        <p14:creationId xmlns="" xmlns:p14="http://schemas.microsoft.com/office/powerpoint/2010/main" val="1663915112"/>
+        <p14:creationId xmlns:p14="http://schemas.microsoft.com/office/powerpoint/2010/main" xmlns="" val="1663915112"/>
       </p:ext>
     </p:extLst>
   </p:cSld>
@@ -17911,7 +17853,7 @@
     </p:spTree>
     <p:extLst>
       <p:ext uri="{BB962C8B-B14F-4D97-AF65-F5344CB8AC3E}">
-        <p14:creationId xmlns="" xmlns:p14="http://schemas.microsoft.com/office/powerpoint/2010/main" val="3211638007"/>
+        <p14:creationId xmlns:p14="http://schemas.microsoft.com/office/powerpoint/2010/main" xmlns="" val="3211638007"/>
       </p:ext>
     </p:extLst>
   </p:cSld>
@@ -17997,7 +17939,7 @@
     </p:spTree>
     <p:extLst>
       <p:ext uri="{BB962C8B-B14F-4D97-AF65-F5344CB8AC3E}">
-        <p14:creationId xmlns="" xmlns:p14="http://schemas.microsoft.com/office/powerpoint/2010/main" val="139716987"/>
+        <p14:creationId xmlns:p14="http://schemas.microsoft.com/office/powerpoint/2010/main" xmlns="" val="139716987"/>
       </p:ext>
     </p:extLst>
   </p:cSld>
@@ -18005,7 +17947,7 @@
     <a:masterClrMapping/>
   </p:clrMapOvr>
   <mc:AlternateContent xmlns:mc="http://schemas.openxmlformats.org/markup-compatibility/2006">
-    <mc:Choice xmlns="" xmlns:p14="http://schemas.microsoft.com/office/powerpoint/2010/main" Requires="p14">
+    <mc:Choice xmlns:p14="http://schemas.microsoft.com/office/powerpoint/2010/main" xmlns="" Requires="p14">
       <p:transition spd="slow" p14:dur="3400">
         <p14:reveal/>
       </p:transition>
@@ -18131,7 +18073,7 @@
     </p:spTree>
     <p:extLst>
       <p:ext uri="{BB962C8B-B14F-4D97-AF65-F5344CB8AC3E}">
-        <p14:creationId xmlns="" xmlns:p14="http://schemas.microsoft.com/office/powerpoint/2010/main" val="3589936958"/>
+        <p14:creationId xmlns:p14="http://schemas.microsoft.com/office/powerpoint/2010/main" xmlns="" val="3589936958"/>
       </p:ext>
     </p:extLst>
   </p:cSld>
@@ -18139,7 +18081,7 @@
     <a:masterClrMapping/>
   </p:clrMapOvr>
   <mc:AlternateContent xmlns:mc="http://schemas.openxmlformats.org/markup-compatibility/2006">
-    <mc:Choice xmlns="" xmlns:p14="http://schemas.microsoft.com/office/powerpoint/2010/main" Requires="p14">
+    <mc:Choice xmlns:p14="http://schemas.microsoft.com/office/powerpoint/2010/main" xmlns="" Requires="p14">
       <p:transition spd="med" p14:dur="700">
         <p:fade/>
       </p:transition>
@@ -18249,7 +18191,7 @@
     </p:spTree>
     <p:extLst>
       <p:ext uri="{BB962C8B-B14F-4D97-AF65-F5344CB8AC3E}">
-        <p14:creationId xmlns="" xmlns:p14="http://schemas.microsoft.com/office/powerpoint/2010/main" val="4146902651"/>
+        <p14:creationId xmlns:p14="http://schemas.microsoft.com/office/powerpoint/2010/main" xmlns="" val="4146902651"/>
       </p:ext>
     </p:extLst>
   </p:cSld>
@@ -18409,7 +18351,7 @@
     </p:spTree>
     <p:extLst>
       <p:ext uri="{BB962C8B-B14F-4D97-AF65-F5344CB8AC3E}">
-        <p14:creationId xmlns="" xmlns:p14="http://schemas.microsoft.com/office/powerpoint/2010/main" val="1269595210"/>
+        <p14:creationId xmlns:p14="http://schemas.microsoft.com/office/powerpoint/2010/main" xmlns="" val="1269595210"/>
       </p:ext>
     </p:extLst>
   </p:cSld>
@@ -18449,7 +18391,7 @@
     </p:spTree>
     <p:extLst>
       <p:ext uri="{BB962C8B-B14F-4D97-AF65-F5344CB8AC3E}">
-        <p14:creationId xmlns="" xmlns:p14="http://schemas.microsoft.com/office/powerpoint/2010/main" val="2084817878"/>
+        <p14:creationId xmlns:p14="http://schemas.microsoft.com/office/powerpoint/2010/main" xmlns="" val="2084817878"/>
       </p:ext>
     </p:extLst>
   </p:cSld>
@@ -18634,7 +18576,7 @@
     </p:spTree>
     <p:extLst>
       <p:ext uri="{BB962C8B-B14F-4D97-AF65-F5344CB8AC3E}">
-        <p14:creationId xmlns="" xmlns:p14="http://schemas.microsoft.com/office/powerpoint/2010/main" val="3030642853"/>
+        <p14:creationId xmlns:p14="http://schemas.microsoft.com/office/powerpoint/2010/main" xmlns="" val="3030642853"/>
       </p:ext>
     </p:extLst>
   </p:cSld>
@@ -18826,7 +18768,7 @@
     </p:spTree>
     <p:extLst>
       <p:ext uri="{BB962C8B-B14F-4D97-AF65-F5344CB8AC3E}">
-        <p14:creationId xmlns="" xmlns:p14="http://schemas.microsoft.com/office/powerpoint/2010/main" val="997106725"/>
+        <p14:creationId xmlns:p14="http://schemas.microsoft.com/office/powerpoint/2010/main" xmlns="" val="997106725"/>
       </p:ext>
     </p:extLst>
   </p:cSld>
@@ -18935,7 +18877,7 @@
     </p:spTree>
     <p:extLst>
       <p:ext uri="{BB962C8B-B14F-4D97-AF65-F5344CB8AC3E}">
-        <p14:creationId xmlns="" xmlns:p14="http://schemas.microsoft.com/office/powerpoint/2010/main" val="1041757841"/>
+        <p14:creationId xmlns:p14="http://schemas.microsoft.com/office/powerpoint/2010/main" xmlns="" val="1041757841"/>
       </p:ext>
     </p:extLst>
   </p:cSld>
@@ -19157,7 +19099,7 @@
     </p:spTree>
     <p:extLst>
       <p:ext uri="{BB962C8B-B14F-4D97-AF65-F5344CB8AC3E}">
-        <p14:creationId xmlns="" xmlns:p14="http://schemas.microsoft.com/office/powerpoint/2010/main" val="3040891324"/>
+        <p14:creationId xmlns:p14="http://schemas.microsoft.com/office/powerpoint/2010/main" xmlns="" val="3040891324"/>
       </p:ext>
     </p:extLst>
   </p:cSld>
@@ -19246,7 +19188,7 @@
     </p:spTree>
     <p:extLst>
       <p:ext uri="{BB962C8B-B14F-4D97-AF65-F5344CB8AC3E}">
-        <p14:creationId xmlns="" xmlns:p14="http://schemas.microsoft.com/office/powerpoint/2010/main" val="3640906751"/>
+        <p14:creationId xmlns:p14="http://schemas.microsoft.com/office/powerpoint/2010/main" xmlns="" val="3640906751"/>
       </p:ext>
     </p:extLst>
   </p:cSld>
@@ -19610,7 +19552,7 @@
   <a:extraClrSchemeLst/>
   <a:extLst>
     <a:ext uri="{05A4C25C-085E-4340-85A3-A5531E510DB2}">
-      <thm15:themeFamily xmlns="" xmlns:thm15="http://schemas.microsoft.com/office/thememl/2012/main" name="TechEd 2013 Speaker PPT Template" id="{B7FE9518-974F-47DC-B2FB-8DA685825519}" vid="{71F0AC58-1E80-4F52-B431-4D2A931C77C7}"/>
+      <thm15:themeFamily xmlns:thm15="http://schemas.microsoft.com/office/thememl/2012/main" xmlns="" name="TechEd 2013 Speaker PPT Template" id="{B7FE9518-974F-47DC-B2FB-8DA685825519}" vid="{71F0AC58-1E80-4F52-B431-4D2A931C77C7}"/>
     </a:ext>
   </a:extLst>
 </a:theme>
@@ -20183,12 +20125,6 @@
 </file>
 
 <file path=customXml/item1.xml><?xml version="1.0" encoding="utf-8"?>
-<p:properties xmlns:p="http://schemas.microsoft.com/office/2006/metadata/properties" xmlns:xsi="http://www.w3.org/2001/XMLSchema-instance" xmlns:pc="http://schemas.microsoft.com/office/infopath/2007/PartnerControls">
-  <documentManagement/>
-</p:properties>
-</file>
-
-<file path=customXml/item2.xml><?xml version="1.0" encoding="utf-8"?>
 <ct:contentTypeSchema xmlns:ct="http://schemas.microsoft.com/office/2006/metadata/contentType" xmlns:ma="http://schemas.microsoft.com/office/2006/metadata/properties/metaAttributes" ct:_="" ma:_="" ma:contentTypeName="Document" ma:contentTypeID="0x010100BDD899C120E4484B8CAD9B97FA6D2027" ma:contentTypeVersion="" ma:contentTypeDescription="Create a new document." ma:contentTypeScope="" ma:versionID="8b2b1118d7563a9ed8be750e0e319b59">
   <xsd:schema xmlns:xsd="http://www.w3.org/2001/XMLSchema" xmlns:xs="http://www.w3.org/2001/XMLSchema" xmlns:p="http://schemas.microsoft.com/office/2006/metadata/properties" targetNamespace="http://schemas.microsoft.com/office/2006/metadata/properties" ma:root="true" ma:fieldsID="f3e687d5f98ee29b9cfcc2ff24550dc4">
     <xsd:element name="properties">
@@ -20302,6 +20238,12 @@
 </ct:contentTypeSchema>
 </file>
 
+<file path=customXml/item2.xml><?xml version="1.0" encoding="utf-8"?>
+<p:properties xmlns:p="http://schemas.microsoft.com/office/2006/metadata/properties" xmlns:xsi="http://www.w3.org/2001/XMLSchema-instance" xmlns:pc="http://schemas.microsoft.com/office/infopath/2007/PartnerControls">
+  <documentManagement/>
+</p:properties>
+</file>
+
 <file path=customXml/item3.xml><?xml version="1.0" encoding="utf-8"?>
 <?mso-contentType ?>
 <FormTemplates xmlns="http://schemas.microsoft.com/sharepoint/v3/contenttype/forms">
@@ -20312,21 +20254,6 @@
 </file>
 
 <file path=customXml/itemProps1.xml><?xml version="1.0" encoding="utf-8"?>
-<ds:datastoreItem xmlns:ds="http://schemas.openxmlformats.org/officeDocument/2006/customXml" ds:itemID="{F990F116-B58F-4255-B05B-DA3808E0E5C6}">
-  <ds:schemaRefs>
-    <ds:schemaRef ds:uri="http://schemas.microsoft.com/office/2006/documentManagement/types"/>
-    <ds:schemaRef ds:uri="http://schemas.microsoft.com/office/infopath/2007/PartnerControls"/>
-    <ds:schemaRef ds:uri="http://purl.org/dc/elements/1.1/"/>
-    <ds:schemaRef ds:uri="http://schemas.microsoft.com/office/2006/metadata/properties"/>
-    <ds:schemaRef ds:uri="http://purl.org/dc/terms/"/>
-    <ds:schemaRef ds:uri="http://schemas.openxmlformats.org/package/2006/metadata/core-properties"/>
-    <ds:schemaRef ds:uri="http://www.w3.org/XML/1998/namespace"/>
-    <ds:schemaRef ds:uri="http://purl.org/dc/dcmitype/"/>
-  </ds:schemaRefs>
-</ds:datastoreItem>
-</file>
-
-<file path=customXml/itemProps2.xml><?xml version="1.0" encoding="utf-8"?>
 <ds:datastoreItem xmlns:ds="http://schemas.openxmlformats.org/officeDocument/2006/customXml" ds:itemID="{81D5C2EF-3D46-4E8E-AA71-D1C645D18FD7}">
   <ds:schemaRefs>
     <ds:schemaRef ds:uri="http://schemas.microsoft.com/office/2006/metadata/contentType"/>
@@ -20342,6 +20269,21 @@
 </ds:datastoreItem>
 </file>
 
+<file path=customXml/itemProps2.xml><?xml version="1.0" encoding="utf-8"?>
+<ds:datastoreItem xmlns:ds="http://schemas.openxmlformats.org/officeDocument/2006/customXml" ds:itemID="{F990F116-B58F-4255-B05B-DA3808E0E5C6}">
+  <ds:schemaRefs>
+    <ds:schemaRef ds:uri="http://schemas.microsoft.com/office/2006/documentManagement/types"/>
+    <ds:schemaRef ds:uri="http://schemas.microsoft.com/office/infopath/2007/PartnerControls"/>
+    <ds:schemaRef ds:uri="http://purl.org/dc/elements/1.1/"/>
+    <ds:schemaRef ds:uri="http://schemas.microsoft.com/office/2006/metadata/properties"/>
+    <ds:schemaRef ds:uri="http://purl.org/dc/terms/"/>
+    <ds:schemaRef ds:uri="http://schemas.openxmlformats.org/package/2006/metadata/core-properties"/>
+    <ds:schemaRef ds:uri="http://www.w3.org/XML/1998/namespace"/>
+    <ds:schemaRef ds:uri="http://purl.org/dc/dcmitype/"/>
+  </ds:schemaRefs>
+</ds:datastoreItem>
+</file>
+
 <file path=customXml/itemProps3.xml><?xml version="1.0" encoding="utf-8"?>
 <ds:datastoreItem xmlns:ds="http://schemas.openxmlformats.org/officeDocument/2006/customXml" ds:itemID="{758FDAC0-319D-4A54-8D8E-1D42CB1F8004}">
   <ds:schemaRefs>
